--- a/figures/Figure 1/Input.pptx
+++ b/figures/Figure 1/Input.pptx
@@ -243,7 +243,7 @@
           <a:p>
             <a:fld id="{52D9B48A-4DDE-4515-A7B7-36377E7345FC}" type="datetimeFigureOut">
               <a:rPr lang="en-US" smtClean="0"/>
-              <a:t>8/7/2024</a:t>
+              <a:t>8/28/2024</a:t>
             </a:fld>
             <a:endParaRPr lang="en-US"/>
           </a:p>
@@ -413,7 +413,7 @@
           <a:p>
             <a:fld id="{52D9B48A-4DDE-4515-A7B7-36377E7345FC}" type="datetimeFigureOut">
               <a:rPr lang="en-US" smtClean="0"/>
-              <a:t>8/7/2024</a:t>
+              <a:t>8/28/2024</a:t>
             </a:fld>
             <a:endParaRPr lang="en-US"/>
           </a:p>
@@ -593,7 +593,7 @@
           <a:p>
             <a:fld id="{52D9B48A-4DDE-4515-A7B7-36377E7345FC}" type="datetimeFigureOut">
               <a:rPr lang="en-US" smtClean="0"/>
-              <a:t>8/7/2024</a:t>
+              <a:t>8/28/2024</a:t>
             </a:fld>
             <a:endParaRPr lang="en-US"/>
           </a:p>
@@ -763,7 +763,7 @@
           <a:p>
             <a:fld id="{52D9B48A-4DDE-4515-A7B7-36377E7345FC}" type="datetimeFigureOut">
               <a:rPr lang="en-US" smtClean="0"/>
-              <a:t>8/7/2024</a:t>
+              <a:t>8/28/2024</a:t>
             </a:fld>
             <a:endParaRPr lang="en-US"/>
           </a:p>
@@ -1009,7 +1009,7 @@
           <a:p>
             <a:fld id="{52D9B48A-4DDE-4515-A7B7-36377E7345FC}" type="datetimeFigureOut">
               <a:rPr lang="en-US" smtClean="0"/>
-              <a:t>8/7/2024</a:t>
+              <a:t>8/28/2024</a:t>
             </a:fld>
             <a:endParaRPr lang="en-US"/>
           </a:p>
@@ -1241,7 +1241,7 @@
           <a:p>
             <a:fld id="{52D9B48A-4DDE-4515-A7B7-36377E7345FC}" type="datetimeFigureOut">
               <a:rPr lang="en-US" smtClean="0"/>
-              <a:t>8/7/2024</a:t>
+              <a:t>8/28/2024</a:t>
             </a:fld>
             <a:endParaRPr lang="en-US"/>
           </a:p>
@@ -1608,7 +1608,7 @@
           <a:p>
             <a:fld id="{52D9B48A-4DDE-4515-A7B7-36377E7345FC}" type="datetimeFigureOut">
               <a:rPr lang="en-US" smtClean="0"/>
-              <a:t>8/7/2024</a:t>
+              <a:t>8/28/2024</a:t>
             </a:fld>
             <a:endParaRPr lang="en-US"/>
           </a:p>
@@ -1726,7 +1726,7 @@
           <a:p>
             <a:fld id="{52D9B48A-4DDE-4515-A7B7-36377E7345FC}" type="datetimeFigureOut">
               <a:rPr lang="en-US" smtClean="0"/>
-              <a:t>8/7/2024</a:t>
+              <a:t>8/28/2024</a:t>
             </a:fld>
             <a:endParaRPr lang="en-US"/>
           </a:p>
@@ -1821,7 +1821,7 @@
           <a:p>
             <a:fld id="{52D9B48A-4DDE-4515-A7B7-36377E7345FC}" type="datetimeFigureOut">
               <a:rPr lang="en-US" smtClean="0"/>
-              <a:t>8/7/2024</a:t>
+              <a:t>8/28/2024</a:t>
             </a:fld>
             <a:endParaRPr lang="en-US"/>
           </a:p>
@@ -2098,7 +2098,7 @@
           <a:p>
             <a:fld id="{52D9B48A-4DDE-4515-A7B7-36377E7345FC}" type="datetimeFigureOut">
               <a:rPr lang="en-US" smtClean="0"/>
-              <a:t>8/7/2024</a:t>
+              <a:t>8/28/2024</a:t>
             </a:fld>
             <a:endParaRPr lang="en-US"/>
           </a:p>
@@ -2355,7 +2355,7 @@
           <a:p>
             <a:fld id="{52D9B48A-4DDE-4515-A7B7-36377E7345FC}" type="datetimeFigureOut">
               <a:rPr lang="en-US" smtClean="0"/>
-              <a:t>8/7/2024</a:t>
+              <a:t>8/28/2024</a:t>
             </a:fld>
             <a:endParaRPr lang="en-US"/>
           </a:p>
@@ -2568,7 +2568,7 @@
           <a:p>
             <a:fld id="{52D9B48A-4DDE-4515-A7B7-36377E7345FC}" type="datetimeFigureOut">
               <a:rPr lang="en-US" smtClean="0"/>
-              <a:t>8/7/2024</a:t>
+              <a:t>8/28/2024</a:t>
             </a:fld>
             <a:endParaRPr lang="en-US"/>
           </a:p>
@@ -3550,8 +3550,8 @@
           </a:p>
         </p:txBody>
       </p:sp>
-      <mc:AlternateContent xmlns:mc="http://schemas.openxmlformats.org/markup-compatibility/2006">
-        <mc:Choice xmlns:a14="http://schemas.microsoft.com/office/drawing/2010/main" Requires="a14">
+      <mc:AlternateContent xmlns:mc="http://schemas.openxmlformats.org/markup-compatibility/2006" xmlns:a14="http://schemas.microsoft.com/office/drawing/2010/main">
+        <mc:Choice Requires="a14">
           <p:sp>
             <p:nvSpPr>
               <p:cNvPr id="10" name="TextBox 9">
@@ -3607,7 +3607,7 @@
             </p:txBody>
           </p:sp>
         </mc:Choice>
-        <mc:Fallback>
+        <mc:Fallback xmlns="">
           <p:sp>
             <p:nvSpPr>
               <p:cNvPr id="10" name="TextBox 9">
